--- a/ASP.NetCore/Presentations/03.BuildingApps.pptx
+++ b/ASP.NetCore/Presentations/03.BuildingApps.pptx
@@ -292,7 +292,7 @@
               <a:pPr>
                 <a:defRPr/>
               </a:pPr>
-              <a:t>4/22/2022</a:t>
+              <a:t>5/4/2022</a:t>
             </a:fld>
             <a:endParaRPr lang="en-US" dirty="0"/>
           </a:p>
@@ -3483,7 +3483,7 @@
           <p:nvPr>
             <p:extLst>
               <p:ext uri="{D42A27DB-BD31-4B8C-83A1-F6EECF244321}">
-                <p14:modId xmlns:p14="http://schemas.microsoft.com/office/powerpoint/2010/main" val="2856985098"/>
+                <p14:modId xmlns:p14="http://schemas.microsoft.com/office/powerpoint/2010/main" val="3225997053"/>
               </p:ext>
             </p:extLst>
           </p:nvPr>
@@ -3496,7 +3496,7 @@
           <a:graphicData uri="http://schemas.openxmlformats.org/presentationml/2006/ole">
             <mc:AlternateContent xmlns:mc="http://schemas.openxmlformats.org/markup-compatibility/2006">
               <mc:Choice xmlns:v="urn:schemas-microsoft-com:vml" Requires="v">
-                <p:oleObj spid="_x0000_s2054" name="Document" showAsIcon="1" r:id="rId5" imgW="914597" imgH="806311" progId="Word.Document.12">
+                <p:oleObj spid="_x0000_s2056" name="Document" showAsIcon="1" r:id="rId5" imgW="914597" imgH="806311" progId="Word.Document.12">
                   <p:embed/>
                 </p:oleObj>
               </mc:Choice>
@@ -3862,7 +3862,7 @@
           <p:nvPr>
             <p:extLst>
               <p:ext uri="{D42A27DB-BD31-4B8C-83A1-F6EECF244321}">
-                <p14:modId xmlns:p14="http://schemas.microsoft.com/office/powerpoint/2010/main" val="1731477811"/>
+                <p14:modId xmlns:p14="http://schemas.microsoft.com/office/powerpoint/2010/main" val="3660973822"/>
               </p:ext>
             </p:extLst>
           </p:nvPr>
@@ -3875,7 +3875,7 @@
           <a:graphicData uri="http://schemas.openxmlformats.org/presentationml/2006/ole">
             <mc:AlternateContent xmlns:mc="http://schemas.openxmlformats.org/markup-compatibility/2006">
               <mc:Choice xmlns:v="urn:schemas-microsoft-com:vml" Requires="v">
-                <p:oleObj spid="_x0000_s3078" name="Document" showAsIcon="1" r:id="rId5" imgW="914597" imgH="806311" progId="Word.Document.12">
+                <p:oleObj spid="_x0000_s3080" name="Document" showAsIcon="1" r:id="rId5" imgW="914597" imgH="806311" progId="Word.Document.12">
                   <p:embed/>
                 </p:oleObj>
               </mc:Choice>
@@ -4155,7 +4155,7 @@
           <p:nvPr>
             <p:extLst>
               <p:ext uri="{D42A27DB-BD31-4B8C-83A1-F6EECF244321}">
-                <p14:modId xmlns:p14="http://schemas.microsoft.com/office/powerpoint/2010/main" val="2434276241"/>
+                <p14:modId xmlns:p14="http://schemas.microsoft.com/office/powerpoint/2010/main" val="1504310949"/>
               </p:ext>
             </p:extLst>
           </p:nvPr>
@@ -4168,7 +4168,7 @@
           <a:graphicData uri="http://schemas.openxmlformats.org/presentationml/2006/ole">
             <mc:AlternateContent xmlns:mc="http://schemas.openxmlformats.org/markup-compatibility/2006">
               <mc:Choice xmlns:v="urn:schemas-microsoft-com:vml" Requires="v">
-                <p:oleObj spid="_x0000_s4102" name="Document" showAsIcon="1" r:id="rId5" imgW="914597" imgH="806311" progId="Word.Document.12">
+                <p:oleObj spid="_x0000_s4104" name="Document" showAsIcon="1" r:id="rId5" imgW="914597" imgH="806311" progId="Word.Document.12">
                   <p:embed/>
                 </p:oleObj>
               </mc:Choice>
@@ -7528,7 +7528,7 @@
           <p:nvPr>
             <p:extLst>
               <p:ext uri="{D42A27DB-BD31-4B8C-83A1-F6EECF244321}">
-                <p14:modId xmlns:p14="http://schemas.microsoft.com/office/powerpoint/2010/main" val="3306505179"/>
+                <p14:modId xmlns:p14="http://schemas.microsoft.com/office/powerpoint/2010/main" val="1671217711"/>
               </p:ext>
             </p:extLst>
           </p:nvPr>
@@ -7541,7 +7541,7 @@
           <a:graphicData uri="http://schemas.openxmlformats.org/presentationml/2006/ole">
             <mc:AlternateContent xmlns:mc="http://schemas.openxmlformats.org/markup-compatibility/2006">
               <mc:Choice xmlns:v="urn:schemas-microsoft-com:vml" Requires="v">
-                <p:oleObj spid="_x0000_s5126" name="Document" showAsIcon="1" r:id="rId5" imgW="914597" imgH="806311" progId="Word.Document.12">
+                <p:oleObj spid="_x0000_s5128" name="Document" showAsIcon="1" r:id="rId5" imgW="914597" imgH="806311" progId="Word.Document.12">
                   <p:embed/>
                 </p:oleObj>
               </mc:Choice>
@@ -11190,7 +11190,7 @@
           <p:nvPr>
             <p:extLst>
               <p:ext uri="{D42A27DB-BD31-4B8C-83A1-F6EECF244321}">
-                <p14:modId xmlns:p14="http://schemas.microsoft.com/office/powerpoint/2010/main" val="2290373903"/>
+                <p14:modId xmlns:p14="http://schemas.microsoft.com/office/powerpoint/2010/main" val="1472613424"/>
               </p:ext>
             </p:extLst>
           </p:nvPr>
@@ -11203,7 +11203,7 @@
           <a:graphicData uri="http://schemas.openxmlformats.org/presentationml/2006/ole">
             <mc:AlternateContent xmlns:mc="http://schemas.openxmlformats.org/markup-compatibility/2006">
               <mc:Choice xmlns:v="urn:schemas-microsoft-com:vml" Requires="v">
-                <p:oleObj spid="_x0000_s6150" name="Document" showAsIcon="1" r:id="rId5" imgW="914597" imgH="806311" progId="Word.Document.12">
+                <p:oleObj spid="_x0000_s6152" name="Document" showAsIcon="1" r:id="rId5" imgW="914597" imgH="806311" progId="Word.Document.12">
                   <p:embed/>
                 </p:oleObj>
               </mc:Choice>
@@ -13458,7 +13458,7 @@
           <a:graphicData uri="http://schemas.openxmlformats.org/presentationml/2006/ole">
             <mc:AlternateContent xmlns:mc="http://schemas.openxmlformats.org/markup-compatibility/2006">
               <mc:Choice xmlns:v="urn:schemas-microsoft-com:vml" Requires="v">
-                <p:oleObj spid="_x0000_s7174" name="Document" showAsIcon="1" r:id="rId5" imgW="914597" imgH="806311" progId="Word.Document.12">
+                <p:oleObj spid="_x0000_s7176" name="Document" showAsIcon="1" r:id="rId5" imgW="914597" imgH="806311" progId="Word.Document.12">
                   <p:embed/>
                 </p:oleObj>
               </mc:Choice>
@@ -14582,7 +14582,7 @@
           <a:graphicData uri="http://schemas.openxmlformats.org/presentationml/2006/ole">
             <mc:AlternateContent xmlns:mc="http://schemas.openxmlformats.org/markup-compatibility/2006">
               <mc:Choice xmlns:v="urn:schemas-microsoft-com:vml" Requires="v">
-                <p:oleObj spid="_x0000_s8198" name="Document" showAsIcon="1" r:id="rId5" imgW="914597" imgH="806311" progId="Word.Document.8">
+                <p:oleObj spid="_x0000_s8200" name="Document" showAsIcon="1" r:id="rId5" imgW="914597" imgH="806311" progId="Word.Document.8">
                   <p:embed/>
                 </p:oleObj>
               </mc:Choice>
@@ -15292,7 +15292,7 @@
           <a:graphicData uri="http://schemas.openxmlformats.org/presentationml/2006/ole">
             <mc:AlternateContent xmlns:mc="http://schemas.openxmlformats.org/markup-compatibility/2006">
               <mc:Choice xmlns:v="urn:schemas-microsoft-com:vml" Requires="v">
-                <p:oleObj spid="_x0000_s9222" name="Document" showAsIcon="1" r:id="rId5" imgW="914570" imgH="771690" progId="Word.Document.12">
+                <p:oleObj spid="_x0000_s9224" name="Document" showAsIcon="1" r:id="rId5" imgW="914570" imgH="771690" progId="Word.Document.12">
                   <p:embed/>
                 </p:oleObj>
               </mc:Choice>
@@ -15692,7 +15692,7 @@
           <p:nvPr>
             <p:extLst>
               <p:ext uri="{D42A27DB-BD31-4B8C-83A1-F6EECF244321}">
-                <p14:modId xmlns:p14="http://schemas.microsoft.com/office/powerpoint/2010/main" val="3699465346"/>
+                <p14:modId xmlns:p14="http://schemas.microsoft.com/office/powerpoint/2010/main" val="2471011334"/>
               </p:ext>
             </p:extLst>
           </p:nvPr>
@@ -15705,7 +15705,7 @@
           <a:graphicData uri="http://schemas.openxmlformats.org/presentationml/2006/ole">
             <mc:AlternateContent xmlns:mc="http://schemas.openxmlformats.org/markup-compatibility/2006">
               <mc:Choice xmlns:v="urn:schemas-microsoft-com:vml" Requires="v">
-                <p:oleObj spid="_x0000_s10246" name="Document" showAsIcon="1" r:id="rId5" imgW="914597" imgH="806311" progId="Word.Document.12">
+                <p:oleObj spid="_x0000_s10248" name="Document" showAsIcon="1" r:id="rId5" imgW="914597" imgH="806311" progId="Word.Document.12">
                   <p:embed/>
                 </p:oleObj>
               </mc:Choice>
@@ -17364,7 +17364,7 @@
           <p:nvPr>
             <p:extLst>
               <p:ext uri="{D42A27DB-BD31-4B8C-83A1-F6EECF244321}">
-                <p14:modId xmlns:p14="http://schemas.microsoft.com/office/powerpoint/2010/main" val="2037926616"/>
+                <p14:modId xmlns:p14="http://schemas.microsoft.com/office/powerpoint/2010/main" val="3212002260"/>
               </p:ext>
             </p:extLst>
           </p:nvPr>
@@ -17377,7 +17377,7 @@
           <a:graphicData uri="http://schemas.openxmlformats.org/presentationml/2006/ole">
             <mc:AlternateContent xmlns:mc="http://schemas.openxmlformats.org/markup-compatibility/2006">
               <mc:Choice xmlns:v="urn:schemas-microsoft-com:vml" Requires="v">
-                <p:oleObj spid="_x0000_s1030" name="Document" showAsIcon="1" r:id="rId5" imgW="914597" imgH="806311" progId="Word.Document.12">
+                <p:oleObj spid="_x0000_s1032" name="Document" showAsIcon="1" r:id="rId5" imgW="914597" imgH="806311" progId="Word.Document.12">
                   <p:embed/>
                 </p:oleObj>
               </mc:Choice>
